--- a/Tema 1 - Por qué B4X/Tema 1 - Por qué B4X.pptx
+++ b/Tema 1 - Por qué B4X/Tema 1 - Por qué B4X.pptx
@@ -3128,7 +3128,7 @@
           <a:p>
             <a:fld id="{ADDEDE6F-D265-46FB-95EA-3CE292B138BA}" type="datetimeFigureOut">
               <a:rPr lang="el-GR" smtClean="0"/>
-              <a:t>5/3/2021</a:t>
+              <a:t>7/3/2021</a:t>
             </a:fld>
             <a:endParaRPr lang="el-GR"/>
           </a:p>
@@ -4214,7 +4214,7 @@
             </a:r>
             <a:r>
               <a:rPr lang="en-US" dirty="0"/>
-              <a:t>/a: </a:t>
+              <a:t>: </a:t>
             </a:r>
           </a:p>
           <a:p>
@@ -4467,7 +4467,7 @@
           <a:p>
             <a:fld id="{86F0BDD2-2FE9-4947-8A0F-347E40919148}" type="datetimeFigureOut">
               <a:rPr lang="el-GR" smtClean="0"/>
-              <a:t>5/3/2021</a:t>
+              <a:t>7/3/2021</a:t>
             </a:fld>
             <a:endParaRPr lang="el-GR"/>
           </a:p>
@@ -4777,7 +4777,7 @@
             <a:fld id="{86F0BDD2-2FE9-4947-8A0F-347E40919148}" type="datetimeFigureOut">
               <a:rPr lang="el-GR" smtClean="0"/>
               <a:pPr/>
-              <a:t>5/3/2021</a:t>
+              <a:t>7/3/2021</a:t>
             </a:fld>
             <a:endParaRPr lang="el-GR"/>
           </a:p>
@@ -5088,7 +5088,7 @@
           <a:p>
             <a:fld id="{86F0BDD2-2FE9-4947-8A0F-347E40919148}" type="datetimeFigureOut">
               <a:rPr lang="el-GR" smtClean="0"/>
-              <a:t>5/3/2021</a:t>
+              <a:t>7/3/2021</a:t>
             </a:fld>
             <a:endParaRPr lang="el-GR"/>
           </a:p>
@@ -5605,7 +5605,7 @@
             <a:fld id="{86F0BDD2-2FE9-4947-8A0F-347E40919148}" type="datetimeFigureOut">
               <a:rPr lang="el-GR" smtClean="0"/>
               <a:pPr/>
-              <a:t>5/3/2021</a:t>
+              <a:t>7/3/2021</a:t>
             </a:fld>
             <a:endParaRPr lang="el-GR">
               <a:latin typeface="Verdana" panose="020B0604030504040204" pitchFamily="34" charset="0"/>
@@ -5812,7 +5812,7 @@
             <a:fld id="{86F0BDD2-2FE9-4947-8A0F-347E40919148}" type="datetimeFigureOut">
               <a:rPr lang="el-GR" smtClean="0"/>
               <a:pPr/>
-              <a:t>5/3/2021</a:t>
+              <a:t>7/3/2021</a:t>
             </a:fld>
             <a:endParaRPr lang="el-GR" sz="1100"/>
           </a:p>
@@ -5960,7 +5960,7 @@
           <a:p>
             <a:fld id="{86F0BDD2-2FE9-4947-8A0F-347E40919148}" type="datetimeFigureOut">
               <a:rPr lang="el-GR" smtClean="0"/>
-              <a:t>5/3/2021</a:t>
+              <a:t>7/3/2021</a:t>
             </a:fld>
             <a:endParaRPr lang="el-GR"/>
           </a:p>
@@ -6322,7 +6322,7 @@
             <a:fld id="{86F0BDD2-2FE9-4947-8A0F-347E40919148}" type="datetimeFigureOut">
               <a:rPr lang="el-GR" smtClean="0"/>
               <a:pPr/>
-              <a:t>5/3/2021</a:t>
+              <a:t>7/3/2021</a:t>
             </a:fld>
             <a:endParaRPr lang="el-GR">
               <a:latin typeface="Verdana" panose="020B0604030504040204" pitchFamily="34" charset="0"/>
@@ -6673,7 +6673,7 @@
             <a:fld id="{86F0BDD2-2FE9-4947-8A0F-347E40919148}" type="datetimeFigureOut">
               <a:rPr lang="el-GR" smtClean="0"/>
               <a:pPr/>
-              <a:t>5/3/2021</a:t>
+              <a:t>7/3/2021</a:t>
             </a:fld>
             <a:endParaRPr lang="el-GR">
               <a:latin typeface="Verdana" panose="020B0604030504040204" pitchFamily="34" charset="0"/>
@@ -6997,7 +6997,7 @@
             <a:fld id="{86F0BDD2-2FE9-4947-8A0F-347E40919148}" type="datetimeFigureOut">
               <a:rPr lang="el-GR" smtClean="0"/>
               <a:pPr/>
-              <a:t>5/3/2021</a:t>
+              <a:t>7/3/2021</a:t>
             </a:fld>
             <a:endParaRPr lang="el-GR"/>
           </a:p>
